--- a/docs/Research Flowchart.pptx
+++ b/docs/Research Flowchart.pptx
@@ -104,6 +104,11 @@
       </a:defRPr>
     </a:lvl9pPr>
   </p:defaultTextStyle>
+  <p:extLst>
+    <p:ext uri="{EFAFB233-063F-42B5-8137-9DF3F51BA10A}">
+      <p15:sldGuideLst xmlns:p15="http://schemas.microsoft.com/office/powerpoint/2012/main"/>
+    </p:ext>
+  </p:extLst>
 </p:presentation>
 </file>
 
@@ -3379,7 +3384,7 @@
         <p:spPr>
           <a:xfrm>
             <a:off x="70070" y="1353778"/>
-            <a:ext cx="2654230" cy="1461939"/>
+            <a:ext cx="2654230" cy="1754326"/>
           </a:xfrm>
           <a:prstGeom prst="rect">
             <a:avLst/>
@@ -3404,7 +3409,7 @@
               </a:rPr>
               <a:t>Industry Overview</a:t>
             </a:r>
-            <a:endParaRPr lang="en-US" sz="1100" dirty="0">
+            <a:endParaRPr lang="en-US" sz="1200" dirty="0">
               <a:latin typeface="Times New Roman" panose="02020603050405020304" pitchFamily="18" charset="0"/>
               <a:cs typeface="Times New Roman" panose="02020603050405020304" pitchFamily="18" charset="0"/>
             </a:endParaRPr>
@@ -3415,7 +3420,7 @@
               <a:buChar char="•"/>
             </a:pPr>
             <a:r>
-              <a:rPr lang="en-US" sz="1100" dirty="0">
+              <a:rPr lang="en-US" sz="1200" dirty="0">
                 <a:latin typeface="Times New Roman" panose="02020603050405020304" pitchFamily="18" charset="0"/>
                 <a:cs typeface="Times New Roman" panose="02020603050405020304" pitchFamily="18" charset="0"/>
               </a:rPr>
@@ -3428,7 +3433,7 @@
               <a:buChar char="•"/>
             </a:pPr>
             <a:r>
-              <a:rPr lang="en-US" sz="1100" dirty="0">
+              <a:rPr lang="en-US" sz="1200" dirty="0">
                 <a:latin typeface="Times New Roman" panose="02020603050405020304" pitchFamily="18" charset="0"/>
                 <a:cs typeface="Times New Roman" panose="02020603050405020304" pitchFamily="18" charset="0"/>
               </a:rPr>
@@ -3441,14 +3446,14 @@
               <a:buChar char="•"/>
             </a:pPr>
             <a:r>
-              <a:rPr lang="en-US" sz="1100" dirty="0">
+              <a:rPr lang="en-US" sz="1200" dirty="0">
                 <a:latin typeface="Times New Roman" panose="02020603050405020304" pitchFamily="18" charset="0"/>
                 <a:cs typeface="Times New Roman" panose="02020603050405020304" pitchFamily="18" charset="0"/>
               </a:rPr>
               <a:t>"</a:t>
             </a:r>
             <a:r>
-              <a:rPr lang="en-US" sz="1100" dirty="0">
+              <a:rPr lang="en-US" sz="1200" dirty="0">
                 <a:latin typeface="Times New Roman" panose="02020603050405020304" pitchFamily="18" charset="0"/>
                 <a:cs typeface="Times New Roman" panose="02020603050405020304" pitchFamily="18" charset="0"/>
                 <a:hlinkClick r:id="rId2"/>
@@ -3456,7 +3461,7 @@
               <a:t>Relevant Market</a:t>
             </a:r>
             <a:r>
-              <a:rPr lang="en-US" sz="1100" dirty="0">
+              <a:rPr lang="en-US" sz="1200" dirty="0">
                 <a:latin typeface="Times New Roman" panose="02020603050405020304" pitchFamily="18" charset="0"/>
                 <a:cs typeface="Times New Roman" panose="02020603050405020304" pitchFamily="18" charset="0"/>
               </a:rPr>
@@ -3469,7 +3474,7 @@
               <a:buChar char="•"/>
             </a:pPr>
             <a:r>
-              <a:rPr lang="en-US" sz="1100" dirty="0">
+              <a:rPr lang="en-US" sz="1200" dirty="0">
                 <a:latin typeface="Times New Roman" panose="02020603050405020304" pitchFamily="18" charset="0"/>
                 <a:cs typeface="Times New Roman" panose="02020603050405020304" pitchFamily="18" charset="0"/>
               </a:rPr>
@@ -3492,8 +3497,8 @@
         </p:nvSpPr>
         <p:spPr>
           <a:xfrm>
-            <a:off x="731100" y="6040497"/>
-            <a:ext cx="2807230" cy="646331"/>
+            <a:off x="63285" y="6143237"/>
+            <a:ext cx="2392239" cy="646331"/>
           </a:xfrm>
           <a:prstGeom prst="rect">
             <a:avLst/>
@@ -3554,8 +3559,8 @@
         </p:nvCxnSpPr>
         <p:spPr>
           <a:xfrm>
-            <a:off x="1537156" y="5065583"/>
-            <a:ext cx="0" cy="990979"/>
+            <a:off x="1537156" y="5439617"/>
+            <a:ext cx="0" cy="616945"/>
           </a:xfrm>
           <a:prstGeom prst="straightConnector1">
             <a:avLst/>
@@ -3594,7 +3599,7 @@
         <p:spPr>
           <a:xfrm>
             <a:off x="2829554" y="1332193"/>
-            <a:ext cx="4235981" cy="2985433"/>
+            <a:ext cx="4235981" cy="3416320"/>
           </a:xfrm>
           <a:prstGeom prst="rect">
             <a:avLst/>
@@ -3626,7 +3631,7 @@
               <a:buChar char="•"/>
             </a:pPr>
             <a:r>
-              <a:rPr lang="en-US" sz="1100" dirty="0">
+              <a:rPr lang="en-US" sz="1200" dirty="0">
                 <a:latin typeface="Times New Roman" panose="02020603050405020304" pitchFamily="18" charset="0"/>
                 <a:cs typeface="Times New Roman" panose="02020603050405020304" pitchFamily="18" charset="0"/>
               </a:rPr>
@@ -3639,7 +3644,7 @@
               <a:buChar char="•"/>
             </a:pPr>
             <a:r>
-              <a:rPr lang="en-US" sz="1100" dirty="0">
+              <a:rPr lang="en-US" sz="1200" dirty="0">
                 <a:latin typeface="Times New Roman" panose="02020603050405020304" pitchFamily="18" charset="0"/>
                 <a:cs typeface="Times New Roman" panose="02020603050405020304" pitchFamily="18" charset="0"/>
               </a:rPr>
@@ -3652,7 +3657,7 @@
               <a:buChar char="•"/>
             </a:pPr>
             <a:r>
-              <a:rPr lang="en-US" sz="1100" dirty="0">
+              <a:rPr lang="en-US" sz="1200" dirty="0">
                 <a:latin typeface="Times New Roman" panose="02020603050405020304" pitchFamily="18" charset="0"/>
                 <a:cs typeface="Times New Roman" panose="02020603050405020304" pitchFamily="18" charset="0"/>
               </a:rPr>
@@ -3665,7 +3670,7 @@
               <a:buChar char="•"/>
             </a:pPr>
             <a:r>
-              <a:rPr lang="en-US" sz="1100" dirty="0">
+              <a:rPr lang="en-US" sz="1200" dirty="0">
                 <a:latin typeface="Times New Roman" panose="02020603050405020304" pitchFamily="18" charset="0"/>
                 <a:cs typeface="Times New Roman" panose="02020603050405020304" pitchFamily="18" charset="0"/>
               </a:rPr>
@@ -3678,7 +3683,7 @@
               <a:buChar char="•"/>
             </a:pPr>
             <a:r>
-              <a:rPr lang="en-US" sz="1100" dirty="0">
+              <a:rPr lang="en-US" sz="1200" dirty="0">
                 <a:latin typeface="Times New Roman" panose="02020603050405020304" pitchFamily="18" charset="0"/>
                 <a:cs typeface="Times New Roman" panose="02020603050405020304" pitchFamily="18" charset="0"/>
               </a:rPr>
@@ -3691,7 +3696,7 @@
               <a:buChar char="•"/>
             </a:pPr>
             <a:r>
-              <a:rPr lang="en-US" sz="1100" dirty="0">
+              <a:rPr lang="en-US" sz="1200" dirty="0">
                 <a:latin typeface="Times New Roman" panose="02020603050405020304" pitchFamily="18" charset="0"/>
                 <a:cs typeface="Times New Roman" panose="02020603050405020304" pitchFamily="18" charset="0"/>
               </a:rPr>
@@ -3704,7 +3709,7 @@
               <a:buChar char="•"/>
             </a:pPr>
             <a:r>
-              <a:rPr lang="en-US" sz="1100" dirty="0">
+              <a:rPr lang="en-US" sz="1200" dirty="0">
                 <a:latin typeface="Times New Roman" panose="02020603050405020304" pitchFamily="18" charset="0"/>
                 <a:cs typeface="Times New Roman" panose="02020603050405020304" pitchFamily="18" charset="0"/>
               </a:rPr>
@@ -3717,7 +3722,7 @@
               <a:buChar char="•"/>
             </a:pPr>
             <a:r>
-              <a:rPr lang="en-US" sz="1100" dirty="0">
+              <a:rPr lang="en-US" sz="1200" dirty="0">
                 <a:latin typeface="Times New Roman" panose="02020603050405020304" pitchFamily="18" charset="0"/>
                 <a:cs typeface="Times New Roman" panose="02020603050405020304" pitchFamily="18" charset="0"/>
               </a:rPr>
@@ -3730,7 +3735,7 @@
               <a:buChar char="•"/>
             </a:pPr>
             <a:r>
-              <a:rPr lang="en-US" sz="1100" dirty="0">
+              <a:rPr lang="en-US" sz="1200" dirty="0">
                 <a:latin typeface="Times New Roman" panose="02020603050405020304" pitchFamily="18" charset="0"/>
                 <a:cs typeface="Times New Roman" panose="02020603050405020304" pitchFamily="18" charset="0"/>
               </a:rPr>
@@ -3743,7 +3748,7 @@
               <a:buChar char="•"/>
             </a:pPr>
             <a:r>
-              <a:rPr lang="en-US" sz="1100" dirty="0">
+              <a:rPr lang="en-US" sz="1200" dirty="0">
                 <a:latin typeface="Times New Roman" panose="02020603050405020304" pitchFamily="18" charset="0"/>
                 <a:cs typeface="Times New Roman" panose="02020603050405020304" pitchFamily="18" charset="0"/>
               </a:rPr>
@@ -3756,7 +3761,7 @@
               <a:buChar char="•"/>
             </a:pPr>
             <a:r>
-              <a:rPr lang="en-US" sz="1100" dirty="0">
+              <a:rPr lang="en-US" sz="1200" dirty="0">
                 <a:latin typeface="Times New Roman" panose="02020603050405020304" pitchFamily="18" charset="0"/>
                 <a:cs typeface="Times New Roman" panose="02020603050405020304" pitchFamily="18" charset="0"/>
               </a:rPr>
@@ -3769,7 +3774,7 @@
               <a:buChar char="•"/>
             </a:pPr>
             <a:r>
-              <a:rPr lang="en-US" sz="1100" dirty="0">
+              <a:rPr lang="en-US" sz="1200" dirty="0">
                 <a:latin typeface="Times New Roman" panose="02020603050405020304" pitchFamily="18" charset="0"/>
                 <a:cs typeface="Times New Roman" panose="02020603050405020304" pitchFamily="18" charset="0"/>
               </a:rPr>
@@ -3782,7 +3787,7 @@
               <a:buChar char="•"/>
             </a:pPr>
             <a:r>
-              <a:rPr lang="en-US" sz="1100" dirty="0">
+              <a:rPr lang="en-US" sz="1200" dirty="0">
                 <a:latin typeface="Times New Roman" panose="02020603050405020304" pitchFamily="18" charset="0"/>
                 <a:cs typeface="Times New Roman" panose="02020603050405020304" pitchFamily="18" charset="0"/>
               </a:rPr>
@@ -3795,7 +3800,7 @@
               <a:buChar char="•"/>
             </a:pPr>
             <a:r>
-              <a:rPr lang="en-US" sz="1100" dirty="0">
+              <a:rPr lang="en-US" sz="1200" dirty="0">
                 <a:latin typeface="Times New Roman" panose="02020603050405020304" pitchFamily="18" charset="0"/>
                 <a:cs typeface="Times New Roman" panose="02020603050405020304" pitchFamily="18" charset="0"/>
               </a:rPr>
@@ -3808,7 +3813,7 @@
               <a:buChar char="•"/>
             </a:pPr>
             <a:r>
-              <a:rPr lang="en-US" sz="1100" dirty="0">
+              <a:rPr lang="en-US" sz="1200" dirty="0">
                 <a:latin typeface="Times New Roman" panose="02020603050405020304" pitchFamily="18" charset="0"/>
                 <a:cs typeface="Times New Roman" panose="02020603050405020304" pitchFamily="18" charset="0"/>
               </a:rPr>
@@ -3821,7 +3826,7 @@
               <a:buChar char="•"/>
             </a:pPr>
             <a:r>
-              <a:rPr lang="en-US" sz="1100" dirty="0">
+              <a:rPr lang="en-US" sz="1200" dirty="0">
                 <a:latin typeface="Times New Roman" panose="02020603050405020304" pitchFamily="18" charset="0"/>
                 <a:cs typeface="Times New Roman" panose="02020603050405020304" pitchFamily="18" charset="0"/>
               </a:rPr>
@@ -3844,8 +3849,8 @@
         </p:nvSpPr>
         <p:spPr>
           <a:xfrm>
-            <a:off x="79093" y="2858787"/>
-            <a:ext cx="2654230" cy="1292662"/>
+            <a:off x="79093" y="3167010"/>
+            <a:ext cx="2654230" cy="1384995"/>
           </a:xfrm>
           <a:prstGeom prst="rect">
             <a:avLst/>
@@ -3877,7 +3882,7 @@
               <a:buChar char="•"/>
             </a:pPr>
             <a:r>
-              <a:rPr lang="en-US" sz="1100" dirty="0">
+              <a:rPr lang="en-US" sz="1200" dirty="0">
                 <a:latin typeface="Times New Roman" panose="02020603050405020304" pitchFamily="18" charset="0"/>
                 <a:cs typeface="Times New Roman" panose="02020603050405020304" pitchFamily="18" charset="0"/>
               </a:rPr>
@@ -3890,7 +3895,7 @@
               <a:buChar char="•"/>
             </a:pPr>
             <a:r>
-              <a:rPr lang="en-US" sz="1100" dirty="0">
+              <a:rPr lang="en-US" sz="1200" dirty="0">
                 <a:latin typeface="Times New Roman" panose="02020603050405020304" pitchFamily="18" charset="0"/>
                 <a:cs typeface="Times New Roman" panose="02020603050405020304" pitchFamily="18" charset="0"/>
               </a:rPr>
@@ -3903,7 +3908,7 @@
               <a:buChar char="•"/>
             </a:pPr>
             <a:r>
-              <a:rPr lang="en-US" sz="1100" dirty="0">
+              <a:rPr lang="en-US" sz="1200" dirty="0">
                 <a:latin typeface="Times New Roman" panose="02020603050405020304" pitchFamily="18" charset="0"/>
                 <a:cs typeface="Times New Roman" panose="02020603050405020304" pitchFamily="18" charset="0"/>
               </a:rPr>
@@ -3916,7 +3921,7 @@
               <a:buChar char="•"/>
             </a:pPr>
             <a:r>
-              <a:rPr lang="en-US" sz="1100" dirty="0">
+              <a:rPr lang="en-US" sz="1200" dirty="0">
                 <a:latin typeface="Times New Roman" panose="02020603050405020304" pitchFamily="18" charset="0"/>
                 <a:cs typeface="Times New Roman" panose="02020603050405020304" pitchFamily="18" charset="0"/>
               </a:rPr>
@@ -3929,7 +3934,7 @@
               <a:buChar char="•"/>
             </a:pPr>
             <a:r>
-              <a:rPr lang="en-US" sz="1100" dirty="0">
+              <a:rPr lang="en-US" sz="1200" dirty="0">
                 <a:latin typeface="Times New Roman" panose="02020603050405020304" pitchFamily="18" charset="0"/>
                 <a:cs typeface="Times New Roman" panose="02020603050405020304" pitchFamily="18" charset="0"/>
               </a:rPr>
@@ -3942,7 +3947,7 @@
               <a:buChar char="•"/>
             </a:pPr>
             <a:r>
-              <a:rPr lang="en-US" sz="1100" dirty="0">
+              <a:rPr lang="en-US" sz="1200" dirty="0">
                 <a:latin typeface="Times New Roman" panose="02020603050405020304" pitchFamily="18" charset="0"/>
                 <a:cs typeface="Times New Roman" panose="02020603050405020304" pitchFamily="18" charset="0"/>
               </a:rPr>
@@ -3965,8 +3970,8 @@
         </p:nvSpPr>
         <p:spPr>
           <a:xfrm>
-            <a:off x="81618" y="4228478"/>
-            <a:ext cx="2651705" cy="784830"/>
+            <a:off x="81618" y="4608620"/>
+            <a:ext cx="2651705" cy="830997"/>
           </a:xfrm>
           <a:prstGeom prst="rect">
             <a:avLst/>
@@ -3998,7 +4003,7 @@
               <a:buChar char="•"/>
             </a:pPr>
             <a:r>
-              <a:rPr lang="en-US" sz="1100" dirty="0">
+              <a:rPr lang="en-US" sz="1200" dirty="0">
                 <a:latin typeface="Times New Roman" panose="02020603050405020304" pitchFamily="18" charset="0"/>
                 <a:cs typeface="Times New Roman" panose="02020603050405020304" pitchFamily="18" charset="0"/>
               </a:rPr>
@@ -4011,7 +4016,7 @@
               <a:buChar char="•"/>
             </a:pPr>
             <a:r>
-              <a:rPr lang="en-US" sz="1100" dirty="0">
+              <a:rPr lang="en-US" sz="1200" dirty="0">
                 <a:latin typeface="Times New Roman" panose="02020603050405020304" pitchFamily="18" charset="0"/>
                 <a:cs typeface="Times New Roman" panose="02020603050405020304" pitchFamily="18" charset="0"/>
               </a:rPr>
@@ -4024,7 +4029,7 @@
               <a:buChar char="•"/>
             </a:pPr>
             <a:r>
-              <a:rPr lang="en-US" sz="1100" dirty="0">
+              <a:rPr lang="en-US" sz="1200" dirty="0">
                 <a:latin typeface="Times New Roman" panose="02020603050405020304" pitchFamily="18" charset="0"/>
                 <a:cs typeface="Times New Roman" panose="02020603050405020304" pitchFamily="18" charset="0"/>
               </a:rPr>
@@ -4047,8 +4052,8 @@
         </p:nvSpPr>
         <p:spPr>
           <a:xfrm>
-            <a:off x="2829554" y="4383165"/>
-            <a:ext cx="4252700" cy="1292662"/>
+            <a:off x="2829554" y="4804404"/>
+            <a:ext cx="4393179" cy="1569660"/>
           </a:xfrm>
           <a:prstGeom prst="rect">
             <a:avLst/>
@@ -4080,7 +4085,7 @@
               <a:buChar char="•"/>
             </a:pPr>
             <a:r>
-              <a:rPr lang="en-US" sz="1100" dirty="0">
+              <a:rPr lang="en-US" sz="1200" dirty="0">
                 <a:latin typeface="Times New Roman" panose="02020603050405020304" pitchFamily="18" charset="0"/>
                 <a:cs typeface="Times New Roman" panose="02020603050405020304" pitchFamily="18" charset="0"/>
               </a:rPr>
@@ -4093,26 +4098,11 @@
               <a:buChar char="•"/>
             </a:pPr>
             <a:r>
-              <a:rPr lang="en-US" sz="1100" dirty="0">
-                <a:latin typeface="Times New Roman" panose="02020603050405020304" pitchFamily="18" charset="0"/>
-                <a:cs typeface="Times New Roman" panose="02020603050405020304" pitchFamily="18" charset="0"/>
-              </a:rPr>
-              <a:t>Rate of deposits + loans </a:t>
-            </a:r>
-            <a:r>
-              <a:rPr lang="en-US" sz="1100" dirty="0">
-                <a:latin typeface="Times New Roman" panose="02020603050405020304" pitchFamily="18" charset="0"/>
-                <a:cs typeface="Times New Roman" panose="02020603050405020304" pitchFamily="18" charset="0"/>
-                <a:sym typeface="Wingdings" pitchFamily="2" charset="2"/>
-              </a:rPr>
-              <a:t>+ </a:t>
-            </a:r>
-            <a:r>
-              <a:rPr lang="en-US" sz="1100" dirty="0">
-                <a:latin typeface="Times New Roman" panose="02020603050405020304" pitchFamily="18" charset="0"/>
-                <a:cs typeface="Times New Roman" panose="02020603050405020304" pitchFamily="18" charset="0"/>
-              </a:rPr>
-              <a:t>Market Share (by revenue)</a:t>
+              <a:rPr lang="en-US" sz="1200" dirty="0">
+                <a:latin typeface="Times New Roman" panose="02020603050405020304" pitchFamily="18" charset="0"/>
+                <a:cs typeface="Times New Roman" panose="02020603050405020304" pitchFamily="18" charset="0"/>
+              </a:rPr>
+              <a:t>Data Acquisition</a:t>
             </a:r>
           </a:p>
           <a:p>
@@ -4121,11 +4111,26 @@
               <a:buChar char="•"/>
             </a:pPr>
             <a:r>
-              <a:rPr lang="en-US" sz="1100" dirty="0">
-                <a:latin typeface="Times New Roman" panose="02020603050405020304" pitchFamily="18" charset="0"/>
-                <a:cs typeface="Times New Roman" panose="02020603050405020304" pitchFamily="18" charset="0"/>
-              </a:rPr>
-              <a:t>Profitability (EBIT Margin)</a:t>
+              <a:rPr lang="en-US" sz="1200" dirty="0">
+                <a:latin typeface="Times New Roman" panose="02020603050405020304" pitchFamily="18" charset="0"/>
+                <a:cs typeface="Times New Roman" panose="02020603050405020304" pitchFamily="18" charset="0"/>
+              </a:rPr>
+              <a:t>Rate of deposits + loans </a:t>
+            </a:r>
+            <a:r>
+              <a:rPr lang="en-US" sz="1200" dirty="0">
+                <a:latin typeface="Times New Roman" panose="02020603050405020304" pitchFamily="18" charset="0"/>
+                <a:cs typeface="Times New Roman" panose="02020603050405020304" pitchFamily="18" charset="0"/>
+                <a:sym typeface="Wingdings" pitchFamily="2" charset="2"/>
+              </a:rPr>
+              <a:t>+ </a:t>
+            </a:r>
+            <a:r>
+              <a:rPr lang="en-US" sz="1200" dirty="0">
+                <a:latin typeface="Times New Roman" panose="02020603050405020304" pitchFamily="18" charset="0"/>
+                <a:cs typeface="Times New Roman" panose="02020603050405020304" pitchFamily="18" charset="0"/>
+              </a:rPr>
+              <a:t>Market Share (by revenue)</a:t>
             </a:r>
           </a:p>
           <a:p>
@@ -4134,11 +4139,11 @@
               <a:buChar char="•"/>
             </a:pPr>
             <a:r>
-              <a:rPr lang="en-US" sz="1100" dirty="0">
-                <a:latin typeface="Times New Roman" panose="02020603050405020304" pitchFamily="18" charset="0"/>
-                <a:cs typeface="Times New Roman" panose="02020603050405020304" pitchFamily="18" charset="0"/>
-              </a:rPr>
-              <a:t>Capital + Investments </a:t>
+              <a:rPr lang="en-US" sz="1200" dirty="0">
+                <a:latin typeface="Times New Roman" panose="02020603050405020304" pitchFamily="18" charset="0"/>
+                <a:cs typeface="Times New Roman" panose="02020603050405020304" pitchFamily="18" charset="0"/>
+              </a:rPr>
+              <a:t>Profitability (EBIT Margin)</a:t>
             </a:r>
           </a:p>
           <a:p>
@@ -4147,11 +4152,11 @@
               <a:buChar char="•"/>
             </a:pPr>
             <a:r>
-              <a:rPr lang="en-US" sz="1100" dirty="0">
-                <a:latin typeface="Times New Roman" panose="02020603050405020304" pitchFamily="18" charset="0"/>
-                <a:cs typeface="Times New Roman" panose="02020603050405020304" pitchFamily="18" charset="0"/>
-              </a:rPr>
-              <a:t>Technology (tangible, intangible capital)</a:t>
+              <a:rPr lang="en-US" sz="1200" dirty="0">
+                <a:latin typeface="Times New Roman" panose="02020603050405020304" pitchFamily="18" charset="0"/>
+                <a:cs typeface="Times New Roman" panose="02020603050405020304" pitchFamily="18" charset="0"/>
+              </a:rPr>
+              <a:t>Capital + Investments </a:t>
             </a:r>
           </a:p>
           <a:p>
@@ -4160,7 +4165,20 @@
               <a:buChar char="•"/>
             </a:pPr>
             <a:r>
-              <a:rPr lang="en-US" sz="1100" dirty="0">
+              <a:rPr lang="en-US" sz="1200" dirty="0">
+                <a:latin typeface="Times New Roman" panose="02020603050405020304" pitchFamily="18" charset="0"/>
+                <a:cs typeface="Times New Roman" panose="02020603050405020304" pitchFamily="18" charset="0"/>
+              </a:rPr>
+              <a:t>Technology (tangible, intangible capital)</a:t>
+            </a:r>
+          </a:p>
+          <a:p>
+            <a:pPr marL="285750" indent="-285750">
+              <a:buFont typeface="Arial" panose="020B0604020202020204" pitchFamily="34" charset="0"/>
+              <a:buChar char="•"/>
+            </a:pPr>
+            <a:r>
+              <a:rPr lang="en-US" sz="1200" dirty="0">
                 <a:latin typeface="Times New Roman" panose="02020603050405020304" pitchFamily="18" charset="0"/>
                 <a:cs typeface="Times New Roman" panose="02020603050405020304" pitchFamily="18" charset="0"/>
               </a:rPr>
@@ -4181,14 +4199,13 @@
           <p:cNvCxnSpPr>
             <a:cxnSpLocks/>
             <a:stCxn id="45" idx="2"/>
-            <a:endCxn id="12" idx="3"/>
           </p:cNvCxnSpPr>
           <p:nvPr/>
         </p:nvCxnSpPr>
         <p:spPr>
           <a:xfrm rot="5400000">
-            <a:off x="3903199" y="5310958"/>
-            <a:ext cx="687836" cy="1417574"/>
+            <a:off x="3629903" y="5199685"/>
+            <a:ext cx="221862" cy="2570620"/>
           </a:xfrm>
           <a:prstGeom prst="bentConnector2">
             <a:avLst/>
@@ -4270,7 +4287,7 @@
         <p:spPr>
           <a:xfrm>
             <a:off x="7832036" y="1353778"/>
-            <a:ext cx="4108174" cy="1815882"/>
+            <a:ext cx="4108174" cy="1754326"/>
           </a:xfrm>
           <a:prstGeom prst="rect">
             <a:avLst/>
@@ -4293,14 +4310,14 @@
               <a:buChar char="•"/>
             </a:pPr>
             <a:r>
-              <a:rPr lang="en-US" sz="1400" b="1" i="1" dirty="0">
+              <a:rPr lang="en-US" sz="1200" b="1" i="1" dirty="0">
                 <a:latin typeface="Times New Roman" panose="02020603050405020304" pitchFamily="18" charset="0"/>
                 <a:cs typeface="Times New Roman" panose="02020603050405020304" pitchFamily="18" charset="0"/>
               </a:rPr>
               <a:t>Profitability</a:t>
             </a:r>
             <a:r>
-              <a:rPr lang="en-US" sz="1400" dirty="0">
+              <a:rPr lang="en-US" sz="1200" dirty="0">
                 <a:latin typeface="Times New Roman" panose="02020603050405020304" pitchFamily="18" charset="0"/>
                 <a:cs typeface="Times New Roman" panose="02020603050405020304" pitchFamily="18" charset="0"/>
               </a:rPr>
@@ -4313,42 +4330,42 @@
               <a:buChar char="•"/>
             </a:pPr>
             <a:r>
-              <a:rPr lang="en-US" sz="1400" b="1" i="1" dirty="0">
+              <a:rPr lang="en-US" sz="1200" b="1" i="1" dirty="0">
                 <a:latin typeface="Times New Roman" panose="02020603050405020304" pitchFamily="18" charset="0"/>
                 <a:cs typeface="Times New Roman" panose="02020603050405020304" pitchFamily="18" charset="0"/>
               </a:rPr>
               <a:t>Growth</a:t>
             </a:r>
             <a:r>
-              <a:rPr lang="en-US" sz="1400" dirty="0">
+              <a:rPr lang="en-US" sz="1200" dirty="0">
                 <a:latin typeface="Times New Roman" panose="02020603050405020304" pitchFamily="18" charset="0"/>
                 <a:cs typeface="Times New Roman" panose="02020603050405020304" pitchFamily="18" charset="0"/>
               </a:rPr>
               <a:t> of neo-banking industry as measured by the market share</a:t>
             </a:r>
             <a:r>
-              <a:rPr lang="en-US" sz="1400" i="1" dirty="0">
+              <a:rPr lang="en-US" sz="1200" i="1" dirty="0">
                 <a:latin typeface="Times New Roman" panose="02020603050405020304" pitchFamily="18" charset="0"/>
                 <a:cs typeface="Times New Roman" panose="02020603050405020304" pitchFamily="18" charset="0"/>
               </a:rPr>
               <a:t> </a:t>
             </a:r>
             <a:r>
-              <a:rPr lang="en-US" sz="1400" dirty="0">
+              <a:rPr lang="en-US" sz="1200" dirty="0">
                 <a:latin typeface="Times New Roman" panose="02020603050405020304" pitchFamily="18" charset="0"/>
                 <a:cs typeface="Times New Roman" panose="02020603050405020304" pitchFamily="18" charset="0"/>
               </a:rPr>
               <a:t>calculated on the basis of revenue generated from </a:t>
             </a:r>
             <a:r>
-              <a:rPr lang="en-US" sz="1400" i="1" dirty="0">
+              <a:rPr lang="en-US" sz="1200" i="1" dirty="0">
                 <a:latin typeface="Times New Roman" panose="02020603050405020304" pitchFamily="18" charset="0"/>
                 <a:cs typeface="Times New Roman" panose="02020603050405020304" pitchFamily="18" charset="0"/>
               </a:rPr>
               <a:t>comparable</a:t>
             </a:r>
             <a:r>
-              <a:rPr lang="en-US" sz="1400" dirty="0">
+              <a:rPr lang="en-US" sz="1200" dirty="0">
                 <a:latin typeface="Times New Roman" panose="02020603050405020304" pitchFamily="18" charset="0"/>
                 <a:cs typeface="Times New Roman" panose="02020603050405020304" pitchFamily="18" charset="0"/>
               </a:rPr>
@@ -4361,7 +4378,7 @@
               <a:buChar char="•"/>
             </a:pPr>
             <a:r>
-              <a:rPr lang="en-US" sz="1400" dirty="0">
+              <a:rPr lang="en-US" sz="1200" dirty="0">
                 <a:latin typeface="Times New Roman" panose="02020603050405020304" pitchFamily="18" charset="0"/>
                 <a:cs typeface="Times New Roman" panose="02020603050405020304" pitchFamily="18" charset="0"/>
               </a:rPr>
@@ -4374,18 +4391,31 @@
               <a:buChar char="•"/>
             </a:pPr>
             <a:r>
-              <a:rPr lang="en-US" sz="1400" b="1" i="1" dirty="0">
+              <a:rPr lang="en-US" sz="1200" b="1" i="1" dirty="0">
                 <a:latin typeface="Times New Roman" panose="02020603050405020304" pitchFamily="18" charset="0"/>
                 <a:cs typeface="Times New Roman" panose="02020603050405020304" pitchFamily="18" charset="0"/>
               </a:rPr>
               <a:t>New entrant projection</a:t>
             </a:r>
             <a:r>
-              <a:rPr lang="en-US" sz="1400" b="1" dirty="0">
+              <a:rPr lang="en-US" sz="1200" b="1" dirty="0">
                 <a:latin typeface="Times New Roman" panose="02020603050405020304" pitchFamily="18" charset="0"/>
                 <a:cs typeface="Times New Roman" panose="02020603050405020304" pitchFamily="18" charset="0"/>
               </a:rPr>
               <a:t> </a:t>
+            </a:r>
+          </a:p>
+          <a:p>
+            <a:pPr marL="285750" indent="-285750">
+              <a:buFont typeface="Arial" panose="020B0604020202020204" pitchFamily="34" charset="0"/>
+              <a:buChar char="•"/>
+            </a:pPr>
+            <a:r>
+              <a:rPr lang="en-US" sz="1200" b="1" i="1" dirty="0">
+                <a:latin typeface="Times New Roman" panose="02020603050405020304" pitchFamily="18" charset="0"/>
+                <a:cs typeface="Times New Roman" panose="02020603050405020304" pitchFamily="18" charset="0"/>
+              </a:rPr>
+              <a:t>Potential for penetration in developing countries</a:t>
             </a:r>
           </a:p>
         </p:txBody>
@@ -4532,7 +4562,7 @@
         <p:spPr>
           <a:xfrm>
             <a:off x="7832036" y="3540341"/>
-            <a:ext cx="4108174" cy="2677656"/>
+            <a:ext cx="4108174" cy="2339102"/>
           </a:xfrm>
           <a:prstGeom prst="rect">
             <a:avLst/>
@@ -4565,7 +4595,7 @@
               <a:buChar char="•"/>
             </a:pPr>
             <a:r>
-              <a:rPr lang="en-US" sz="1400" dirty="0">
+              <a:rPr lang="en-US" sz="1200" dirty="0">
                 <a:latin typeface="Times New Roman" panose="02020603050405020304" pitchFamily="18" charset="0"/>
                 <a:cs typeface="Times New Roman" panose="02020603050405020304" pitchFamily="18" charset="0"/>
               </a:rPr>
@@ -4578,7 +4608,7 @@
               <a:buChar char="•"/>
             </a:pPr>
             <a:r>
-              <a:rPr lang="en-US" sz="1400" dirty="0">
+              <a:rPr lang="en-US" sz="1200" dirty="0">
                 <a:latin typeface="Times New Roman" panose="02020603050405020304" pitchFamily="18" charset="0"/>
                 <a:cs typeface="Times New Roman" panose="02020603050405020304" pitchFamily="18" charset="0"/>
               </a:rPr>
@@ -4591,7 +4621,7 @@
               <a:buChar char="•"/>
             </a:pPr>
             <a:r>
-              <a:rPr lang="en-US" sz="1400" dirty="0">
+              <a:rPr lang="en-US" sz="1200" dirty="0">
                 <a:latin typeface="Times New Roman" panose="02020603050405020304" pitchFamily="18" charset="0"/>
                 <a:cs typeface="Times New Roman" panose="02020603050405020304" pitchFamily="18" charset="0"/>
               </a:rPr>
@@ -4604,7 +4634,7 @@
               <a:buChar char="•"/>
             </a:pPr>
             <a:r>
-              <a:rPr lang="en-US" sz="1400" dirty="0">
+              <a:rPr lang="en-US" sz="1200" dirty="0">
                 <a:latin typeface="Times New Roman" panose="02020603050405020304" pitchFamily="18" charset="0"/>
                 <a:cs typeface="Times New Roman" panose="02020603050405020304" pitchFamily="18" charset="0"/>
               </a:rPr>
@@ -4617,13 +4647,13 @@
               <a:buChar char="•"/>
             </a:pPr>
             <a:r>
-              <a:rPr lang="en-US" sz="1400" dirty="0" err="1">
+              <a:rPr lang="en-US" sz="1200" dirty="0" err="1">
                 <a:latin typeface="Times New Roman" panose="02020603050405020304" pitchFamily="18" charset="0"/>
                 <a:cs typeface="Times New Roman" panose="02020603050405020304" pitchFamily="18" charset="0"/>
               </a:rPr>
               <a:t>CBInsights</a:t>
             </a:r>
-            <a:endParaRPr lang="en-US" sz="1400" dirty="0">
+            <a:endParaRPr lang="en-US" sz="1200" dirty="0">
               <a:latin typeface="Times New Roman" panose="02020603050405020304" pitchFamily="18" charset="0"/>
               <a:cs typeface="Times New Roman" panose="02020603050405020304" pitchFamily="18" charset="0"/>
             </a:endParaRPr>
@@ -4634,14 +4664,14 @@
               <a:buChar char="•"/>
             </a:pPr>
             <a:r>
-              <a:rPr lang="en-US" sz="1400" dirty="0" err="1">
+              <a:rPr lang="en-US" sz="1200" dirty="0" err="1">
                 <a:latin typeface="Times New Roman" panose="02020603050405020304" pitchFamily="18" charset="0"/>
                 <a:cs typeface="Times New Roman" panose="02020603050405020304" pitchFamily="18" charset="0"/>
               </a:rPr>
               <a:t>Netadvantage</a:t>
             </a:r>
             <a:r>
-              <a:rPr lang="en-US" sz="1400" dirty="0">
+              <a:rPr lang="en-US" sz="1200" dirty="0">
                 <a:latin typeface="Times New Roman" panose="02020603050405020304" pitchFamily="18" charset="0"/>
                 <a:cs typeface="Times New Roman" panose="02020603050405020304" pitchFamily="18" charset="0"/>
               </a:rPr>
@@ -4654,7 +4684,7 @@
               <a:buChar char="•"/>
             </a:pPr>
             <a:r>
-              <a:rPr lang="en-US" sz="1400" dirty="0">
+              <a:rPr lang="en-US" sz="1200" dirty="0">
                 <a:latin typeface="Times New Roman" panose="02020603050405020304" pitchFamily="18" charset="0"/>
                 <a:cs typeface="Times New Roman" panose="02020603050405020304" pitchFamily="18" charset="0"/>
               </a:rPr>
